--- a/学习笔记/iOS/Protobuf/protobuf在iOS中的接入.pptx
+++ b/学习笔记/iOS/Protobuf/protobuf在iOS中的接入.pptx
@@ -23,9 +23,10 @@
     <p:sldId id="272" r:id="rId17"/>
     <p:sldId id="273" r:id="rId18"/>
     <p:sldId id="274" r:id="rId19"/>
-    <p:sldId id="275" r:id="rId20"/>
-    <p:sldId id="276" r:id="rId21"/>
-    <p:sldId id="277" r:id="rId22"/>
+    <p:sldId id="278" r:id="rId20"/>
+    <p:sldId id="275" r:id="rId21"/>
+    <p:sldId id="276" r:id="rId22"/>
+    <p:sldId id="277" r:id="rId23"/>
   </p:sldIdLst>
   <p:sldSz cx="12192000" cy="6858000"/>
   <p:notesSz cx="6858000" cy="9144000"/>
@@ -303,7 +304,7 @@
           <a:p>
             <a:fld id="{48A87A34-81AB-432B-8DAE-1953F412C126}" type="datetimeFigureOut">
               <a:rPr lang="en-US" dirty="0"/>
-              <a:t>2/28/19</a:t>
+              <a:t>3/28/19</a:t>
             </a:fld>
             <a:endParaRPr lang="en-US" dirty="0"/>
           </a:p>
@@ -615,7 +616,7 @@
           <a:p>
             <a:fld id="{48A87A34-81AB-432B-8DAE-1953F412C126}" type="datetimeFigureOut">
               <a:rPr lang="en-US" dirty="0"/>
-              <a:t>2/28/19</a:t>
+              <a:t>3/28/19</a:t>
             </a:fld>
             <a:endParaRPr lang="en-US" dirty="0"/>
           </a:p>
@@ -837,7 +838,7 @@
           <a:p>
             <a:fld id="{48A87A34-81AB-432B-8DAE-1953F412C126}" type="datetimeFigureOut">
               <a:rPr lang="en-US" dirty="0"/>
-              <a:t>2/28/19</a:t>
+              <a:t>3/28/19</a:t>
             </a:fld>
             <a:endParaRPr lang="en-US" dirty="0"/>
           </a:p>
@@ -1133,7 +1134,7 @@
           <a:p>
             <a:fld id="{48A87A34-81AB-432B-8DAE-1953F412C126}" type="datetimeFigureOut">
               <a:rPr lang="en-US" dirty="0"/>
-              <a:t>2/28/19</a:t>
+              <a:t>3/28/19</a:t>
             </a:fld>
             <a:endParaRPr lang="en-US" dirty="0"/>
           </a:p>
@@ -1587,7 +1588,7 @@
           <a:p>
             <a:fld id="{48A87A34-81AB-432B-8DAE-1953F412C126}" type="datetimeFigureOut">
               <a:rPr lang="en-US" dirty="0"/>
-              <a:t>2/28/19</a:t>
+              <a:t>3/28/19</a:t>
             </a:fld>
             <a:endParaRPr lang="en-US" dirty="0"/>
           </a:p>
@@ -2188,7 +2189,7 @@
           <a:p>
             <a:fld id="{48A87A34-81AB-432B-8DAE-1953F412C126}" type="datetimeFigureOut">
               <a:rPr lang="en-US" dirty="0"/>
-              <a:t>2/28/19</a:t>
+              <a:t>3/28/19</a:t>
             </a:fld>
             <a:endParaRPr lang="en-US" dirty="0"/>
           </a:p>
@@ -3065,7 +3066,7 @@
           <a:p>
             <a:fld id="{48A87A34-81AB-432B-8DAE-1953F412C126}" type="datetimeFigureOut">
               <a:rPr lang="en-US" dirty="0"/>
-              <a:t>2/28/19</a:t>
+              <a:t>3/28/19</a:t>
             </a:fld>
             <a:endParaRPr lang="en-US" dirty="0"/>
           </a:p>
@@ -3241,7 +3242,7 @@
           <a:p>
             <a:fld id="{48A87A34-81AB-432B-8DAE-1953F412C126}" type="datetimeFigureOut">
               <a:rPr lang="en-US" dirty="0"/>
-              <a:t>2/28/19</a:t>
+              <a:t>3/28/19</a:t>
             </a:fld>
             <a:endParaRPr lang="en-US" dirty="0"/>
           </a:p>
@@ -3426,7 +3427,7 @@
           <a:p>
             <a:fld id="{48A87A34-81AB-432B-8DAE-1953F412C126}" type="datetimeFigureOut">
               <a:rPr lang="en-US" dirty="0"/>
-              <a:t>2/28/19</a:t>
+              <a:t>3/28/19</a:t>
             </a:fld>
             <a:endParaRPr lang="en-US" dirty="0"/>
           </a:p>
@@ -3602,7 +3603,7 @@
           <a:p>
             <a:fld id="{48A87A34-81AB-432B-8DAE-1953F412C126}" type="datetimeFigureOut">
               <a:rPr lang="en-US" dirty="0"/>
-              <a:t>2/28/19</a:t>
+              <a:t>3/28/19</a:t>
             </a:fld>
             <a:endParaRPr lang="en-US" dirty="0"/>
           </a:p>
@@ -3882,7 +3883,7 @@
           <a:p>
             <a:fld id="{48A87A34-81AB-432B-8DAE-1953F412C126}" type="datetimeFigureOut">
               <a:rPr lang="en-US" dirty="0"/>
-              <a:t>2/28/19</a:t>
+              <a:t>3/28/19</a:t>
             </a:fld>
             <a:endParaRPr lang="en-US" dirty="0"/>
           </a:p>
@@ -4096,7 +4097,7 @@
           <a:p>
             <a:fld id="{48A87A34-81AB-432B-8DAE-1953F412C126}" type="datetimeFigureOut">
               <a:rPr lang="en-US" dirty="0"/>
-              <a:t>2/28/19</a:t>
+              <a:t>3/28/19</a:t>
             </a:fld>
             <a:endParaRPr lang="en-US" dirty="0"/>
           </a:p>
@@ -4468,7 +4469,7 @@
           <a:p>
             <a:fld id="{48A87A34-81AB-432B-8DAE-1953F412C126}" type="datetimeFigureOut">
               <a:rPr lang="en-US" dirty="0"/>
-              <a:t>2/28/19</a:t>
+              <a:t>3/28/19</a:t>
             </a:fld>
             <a:endParaRPr lang="en-US" dirty="0"/>
           </a:p>
@@ -4611,7 +4612,7 @@
           <a:p>
             <a:fld id="{48A87A34-81AB-432B-8DAE-1953F412C126}" type="datetimeFigureOut">
               <a:rPr lang="en-US" dirty="0"/>
-              <a:t>2/28/19</a:t>
+              <a:t>3/28/19</a:t>
             </a:fld>
             <a:endParaRPr lang="en-US" dirty="0"/>
           </a:p>
@@ -4731,7 +4732,7 @@
           <a:p>
             <a:fld id="{48A87A34-81AB-432B-8DAE-1953F412C126}" type="datetimeFigureOut">
               <a:rPr lang="en-US" dirty="0"/>
-              <a:t>2/28/19</a:t>
+              <a:t>3/28/19</a:t>
             </a:fld>
             <a:endParaRPr lang="en-US" dirty="0"/>
           </a:p>
@@ -4986,7 +4987,7 @@
           <a:p>
             <a:fld id="{48A87A34-81AB-432B-8DAE-1953F412C126}" type="datetimeFigureOut">
               <a:rPr lang="en-US" dirty="0"/>
-              <a:t>2/28/19</a:t>
+              <a:t>3/28/19</a:t>
             </a:fld>
             <a:endParaRPr lang="en-US" dirty="0"/>
           </a:p>
@@ -5298,7 +5299,7 @@
           <a:p>
             <a:fld id="{48A87A34-81AB-432B-8DAE-1953F412C126}" type="datetimeFigureOut">
               <a:rPr lang="en-US" dirty="0"/>
-              <a:t>2/28/19</a:t>
+              <a:t>3/28/19</a:t>
             </a:fld>
             <a:endParaRPr lang="en-US" dirty="0"/>
           </a:p>
@@ -5523,7 +5524,7 @@
             <a:fld id="{48A87A34-81AB-432B-8DAE-1953F412C126}" type="datetimeFigureOut">
               <a:rPr lang="en-US" dirty="0"/>
               <a:pPr/>
-              <a:t>2/28/19</a:t>
+              <a:t>3/28/19</a:t>
             </a:fld>
             <a:endParaRPr lang="en-US" dirty="0"/>
           </a:p>
@@ -7326,28 +7327,27 @@
         </p:nvSpPr>
         <p:spPr>
           <a:xfrm>
-            <a:off x="913775" y="618518"/>
-            <a:ext cx="10364451" cy="815428"/>
-          </a:xfrm>
-        </p:spPr>
-        <p:txBody>
-          <a:bodyPr/>
-          <a:lstStyle/>
-          <a:p>
-            <a:r>
-              <a:rPr lang="zh-CN" altLang="en-US" b="1" dirty="0"/>
-              <a:t>编解码时间测试</a:t>
-            </a:r>
-            <a:endParaRPr kumimoji="1" lang="zh-CN" altLang="en-US" cap="none" dirty="0"/>
-          </a:p>
-        </p:txBody>
-      </p:sp>
-      <p:sp>
-        <p:nvSpPr>
-          <p:cNvPr id="3" name="内容占位符 2">
+            <a:off x="913775" y="618517"/>
+            <a:ext cx="10364451" cy="825819"/>
+          </a:xfrm>
+        </p:spPr>
+        <p:txBody>
+          <a:bodyPr/>
+          <a:lstStyle/>
+          <a:p>
+            <a:r>
+              <a:rPr kumimoji="1" lang="zh-CN" altLang="en-US" cap="none" dirty="0"/>
+              <a:t>服务端和前端之间如何使用</a:t>
+            </a:r>
+          </a:p>
+        </p:txBody>
+      </p:sp>
+      <p:sp>
+        <p:nvSpPr>
+          <p:cNvPr id="4" name="内容占位符 3">
             <a:extLst>
               <a:ext uri="{FF2B5EF4-FFF2-40B4-BE49-F238E27FC236}">
-                <a16:creationId xmlns:a16="http://schemas.microsoft.com/office/drawing/2014/main" id="{C218F431-DE33-E94E-ADF7-D5A76AF5DE63}"/>
+                <a16:creationId xmlns:a16="http://schemas.microsoft.com/office/drawing/2014/main" id="{EFEAD54B-A268-8044-831E-2EDA3B3C8E96}"/>
               </a:ext>
             </a:extLst>
           </p:cNvPr>
@@ -7358,27 +7358,26 @@
             <p:ph sz="quarter" idx="13"/>
           </p:nvPr>
         </p:nvSpPr>
-        <p:spPr>
-          <a:xfrm>
-            <a:off x="913774" y="1319646"/>
-            <a:ext cx="10363826" cy="4471554"/>
-          </a:xfrm>
-        </p:spPr>
-        <p:txBody>
-          <a:bodyPr/>
-          <a:lstStyle/>
-          <a:p>
+        <p:spPr/>
+        <p:txBody>
+          <a:bodyPr/>
+          <a:lstStyle/>
+          <a:p>
+            <a:r>
+              <a:rPr lang="en-US" altLang="zh-CN" dirty="0"/>
+              <a:t>1.</a:t>
+            </a:r>
             <a:r>
               <a:rPr lang="zh-CN" altLang="en-US" dirty="0"/>
-              <a:t>这里的速度测试都是利用的</a:t>
-            </a:r>
-            <a:r>
-              <a:rPr lang="en" altLang="zh-CN" dirty="0" err="1"/>
-              <a:t>xcode</a:t>
+              <a:t>新建</a:t>
+            </a:r>
+            <a:r>
+              <a:rPr lang="en-US" altLang="zh-CN" dirty="0"/>
+              <a:t>PB</a:t>
             </a:r>
             <a:r>
               <a:rPr lang="zh-CN" altLang="en-US" dirty="0"/>
-              <a:t>的单元测试进行的</a:t>
+              <a:t>文件</a:t>
             </a:r>
             <a:r>
               <a:rPr lang="en-US" altLang="zh-CN" dirty="0"/>
@@ -7386,7 +7385,7 @@
             </a:r>
             <a:r>
               <a:rPr lang="zh-CN" altLang="en-US" dirty="0"/>
-              <a:t>十次取平均值</a:t>
+              <a:t>这个文件用来生成两端代码</a:t>
             </a:r>
             <a:r>
               <a:rPr lang="en-US" altLang="zh-CN" dirty="0"/>
@@ -7394,20 +7393,7 @@
             </a:r>
             <a:r>
               <a:rPr lang="zh-CN" altLang="en-US" dirty="0"/>
-              <a:t>代码在这里</a:t>
-            </a:r>
-            <a:r>
-              <a:rPr lang="zh-CN" altLang="en-US" dirty="0">
-                <a:hlinkClick r:id="rId2"/>
-              </a:rPr>
-              <a:t>链接</a:t>
-            </a:r>
-            <a:endParaRPr lang="en-US" altLang="zh-CN" dirty="0"/>
-          </a:p>
-          <a:p>
-            <a:r>
-              <a:rPr lang="zh-CN" altLang="en-US" dirty="0"/>
-              <a:t>可能由于数据量比较小等其他原因</a:t>
+              <a:t>一旦上线后</a:t>
             </a:r>
             <a:r>
               <a:rPr lang="en-US" altLang="zh-CN" dirty="0"/>
@@ -7415,99 +7401,58 @@
             </a:r>
             <a:r>
               <a:rPr lang="zh-CN" altLang="en-US" dirty="0"/>
-              <a:t>我发现</a:t>
-            </a:r>
-            <a:r>
-              <a:rPr lang="en" altLang="zh-CN" dirty="0" err="1"/>
-              <a:t>pb</a:t>
+              <a:t>不应该随意变动</a:t>
+            </a:r>
+            <a:r>
+              <a:rPr lang="en-US" altLang="zh-CN" dirty="0"/>
+              <a:t>,</a:t>
             </a:r>
             <a:r>
               <a:rPr lang="zh-CN" altLang="en-US" dirty="0"/>
-              <a:t>和</a:t>
-            </a:r>
-            <a:r>
-              <a:rPr lang="en" altLang="zh-CN" dirty="0" err="1"/>
-              <a:t>json</a:t>
+              <a:t>如果需要变动需要遵守前面的几个规则</a:t>
+            </a:r>
+            <a:endParaRPr lang="en-US" altLang="zh-CN" dirty="0"/>
+          </a:p>
+          <a:p>
+            <a:r>
+              <a:rPr lang="en-US" altLang="zh-CN" dirty="0"/>
+              <a:t>2.</a:t>
             </a:r>
             <a:r>
               <a:rPr lang="zh-CN" altLang="en-US" dirty="0"/>
-              <a:t>的编解码速度拉不开差距</a:t>
+              <a:t>将两端代码各自集成到项目中去</a:t>
             </a:r>
             <a:r>
               <a:rPr lang="en-US" altLang="zh-CN" dirty="0"/>
-              <a:t>.</a:t>
+              <a:t>,</a:t>
             </a:r>
             <a:r>
               <a:rPr lang="zh-CN" altLang="en-US" dirty="0"/>
-              <a:t>有时甚至</a:t>
-            </a:r>
-            <a:r>
-              <a:rPr lang="en" altLang="zh-CN" dirty="0" err="1"/>
-              <a:t>pb</a:t>
+              <a:t>直接发送</a:t>
+            </a:r>
+            <a:r>
+              <a:rPr lang="en-US" altLang="zh-CN" dirty="0"/>
+              <a:t>data,</a:t>
             </a:r>
             <a:r>
               <a:rPr lang="zh-CN" altLang="en-US" dirty="0"/>
-              <a:t>的速度要慢于</a:t>
-            </a:r>
-            <a:r>
-              <a:rPr lang="en" altLang="zh-CN" dirty="0" err="1"/>
-              <a:t>json</a:t>
-            </a:r>
-            <a:r>
-              <a:rPr lang="en" altLang="zh-CN" dirty="0"/>
-              <a:t>.</a:t>
+              <a:t>接收</a:t>
+            </a:r>
+            <a:r>
+              <a:rPr lang="en-US" altLang="zh-CN" dirty="0"/>
+              <a:t>data</a:t>
             </a:r>
             <a:r>
               <a:rPr lang="zh-CN" altLang="en-US" dirty="0"/>
-              <a:t>这里只是提供一些我的数据参考</a:t>
-            </a:r>
-            <a:r>
-              <a:rPr lang="en-US" altLang="zh-CN" dirty="0"/>
-              <a:t>.</a:t>
-            </a:r>
-          </a:p>
-          <a:p>
-            <a:pPr marL="0" indent="0">
-              <a:buNone/>
-            </a:pPr>
-            <a:endParaRPr kumimoji="1" lang="zh-CN" altLang="en-US" cap="none" dirty="0"/>
-          </a:p>
-        </p:txBody>
-      </p:sp>
-      <p:pic>
-        <p:nvPicPr>
-          <p:cNvPr id="5" name="图片 4">
-            <a:extLst>
-              <a:ext uri="{FF2B5EF4-FFF2-40B4-BE49-F238E27FC236}">
-                <a16:creationId xmlns:a16="http://schemas.microsoft.com/office/drawing/2014/main" id="{FC3F7414-AFFE-BD41-B594-2F52BB8DF627}"/>
-              </a:ext>
-            </a:extLst>
-          </p:cNvPr>
-          <p:cNvPicPr>
-            <a:picLocks noChangeAspect="1"/>
-          </p:cNvPicPr>
-          <p:nvPr/>
-        </p:nvPicPr>
-        <p:blipFill>
-          <a:blip r:embed="rId3"/>
-          <a:stretch>
-            <a:fillRect/>
-          </a:stretch>
-        </p:blipFill>
-        <p:spPr>
-          <a:xfrm>
-            <a:off x="559377" y="2961986"/>
-            <a:ext cx="11239500" cy="1993900"/>
-          </a:xfrm>
-          <a:prstGeom prst="rect">
-            <a:avLst/>
-          </a:prstGeom>
-        </p:spPr>
-      </p:pic>
+              <a:t>进行解析</a:t>
+            </a:r>
+          </a:p>
+        </p:txBody>
+      </p:sp>
     </p:spTree>
     <p:extLst>
       <p:ext uri="{BB962C8B-B14F-4D97-AF65-F5344CB8AC3E}">
-        <p14:creationId xmlns:p14="http://schemas.microsoft.com/office/powerpoint/2010/main" val="1965839772"/>
+        <p14:creationId xmlns:p14="http://schemas.microsoft.com/office/powerpoint/2010/main" val="2185144280"/>
       </p:ext>
     </p:extLst>
   </p:cSld>
@@ -7706,17 +7651,18 @@
         <p:spPr>
           <a:xfrm>
             <a:off x="913775" y="618518"/>
-            <a:ext cx="10364451" cy="836210"/>
-          </a:xfrm>
-        </p:spPr>
-        <p:txBody>
-          <a:bodyPr/>
-          <a:lstStyle/>
-          <a:p>
-            <a:r>
-              <a:rPr kumimoji="1" lang="zh-CN" altLang="en-US" cap="none" dirty="0"/>
-              <a:t>序列化后的体积比较</a:t>
-            </a:r>
+            <a:ext cx="10364451" cy="815428"/>
+          </a:xfrm>
+        </p:spPr>
+        <p:txBody>
+          <a:bodyPr/>
+          <a:lstStyle/>
+          <a:p>
+            <a:r>
+              <a:rPr lang="zh-CN" altLang="en-US" b="1" dirty="0"/>
+              <a:t>编解码时间测试</a:t>
+            </a:r>
+            <a:endParaRPr kumimoji="1" lang="zh-CN" altLang="en-US" cap="none" dirty="0"/>
           </a:p>
         </p:txBody>
       </p:sp>
@@ -7738,66 +7684,25 @@
         </p:nvSpPr>
         <p:spPr>
           <a:xfrm>
-            <a:off x="913774" y="1298864"/>
-            <a:ext cx="10363826" cy="4862945"/>
-          </a:xfrm>
-        </p:spPr>
-        <p:txBody>
-          <a:bodyPr>
-            <a:normAutofit/>
-          </a:bodyPr>
-          <a:lstStyle/>
-          <a:p>
-            <a:r>
-              <a:rPr kumimoji="1" lang="zh-CN" altLang="en-US" cap="none" dirty="0"/>
-              <a:t>这轮测试</a:t>
-            </a:r>
-            <a:r>
-              <a:rPr kumimoji="1" lang="en-US" altLang="zh-CN" cap="none" dirty="0" err="1"/>
-              <a:t>pb</a:t>
-            </a:r>
-            <a:r>
-              <a:rPr kumimoji="1" lang="zh-CN" altLang="en-US" cap="none" dirty="0"/>
-              <a:t>是占据绝对优势的</a:t>
-            </a:r>
-            <a:endParaRPr kumimoji="1" lang="en-US" altLang="zh-CN" cap="none" dirty="0"/>
-          </a:p>
-          <a:p>
-            <a:endParaRPr kumimoji="1" lang="en-US" altLang="zh-CN" cap="none" dirty="0"/>
-          </a:p>
-          <a:p>
-            <a:endParaRPr kumimoji="1" lang="en-US" altLang="zh-CN" cap="none" dirty="0"/>
-          </a:p>
-          <a:p>
-            <a:endParaRPr kumimoji="1" lang="en-US" altLang="zh-CN" cap="none" dirty="0"/>
-          </a:p>
-          <a:p>
-            <a:endParaRPr kumimoji="1" lang="en-US" altLang="zh-CN" cap="none" dirty="0"/>
-          </a:p>
-          <a:p>
-            <a:endParaRPr kumimoji="1" lang="en-US" altLang="zh-CN" cap="none" dirty="0"/>
-          </a:p>
-          <a:p>
-            <a:endParaRPr kumimoji="1" lang="en-US" altLang="zh-CN" cap="none" dirty="0"/>
-          </a:p>
-          <a:p>
-            <a:r>
-              <a:rPr kumimoji="1" lang="zh-CN" altLang="en-US" cap="none" dirty="0"/>
-              <a:t>个人建议</a:t>
-            </a:r>
-            <a:endParaRPr kumimoji="1" lang="en-US" altLang="zh-CN" cap="none" dirty="0"/>
-          </a:p>
-          <a:p>
-            <a:pPr marL="0" indent="0">
-              <a:buNone/>
-            </a:pPr>
-            <a:r>
-              <a:rPr kumimoji="1" lang="en-US" altLang="zh-CN" cap="none" dirty="0"/>
-              <a:t>	</a:t>
-            </a:r>
+            <a:off x="913774" y="1319646"/>
+            <a:ext cx="10363826" cy="4471554"/>
+          </a:xfrm>
+        </p:spPr>
+        <p:txBody>
+          <a:bodyPr/>
+          <a:lstStyle/>
+          <a:p>
             <a:r>
               <a:rPr lang="zh-CN" altLang="en-US" dirty="0"/>
-              <a:t>可以用在一些数据量传输非常大的场景下</a:t>
+              <a:t>这里的速度测试都是利用的</a:t>
+            </a:r>
+            <a:r>
+              <a:rPr lang="en" altLang="zh-CN" dirty="0" err="1"/>
+              <a:t>xcode</a:t>
+            </a:r>
+            <a:r>
+              <a:rPr lang="zh-CN" altLang="en-US" dirty="0"/>
+              <a:t>的单元测试进行的</a:t>
             </a:r>
             <a:r>
               <a:rPr lang="en-US" altLang="zh-CN" dirty="0"/>
@@ -7805,7 +7710,7 @@
             </a:r>
             <a:r>
               <a:rPr lang="zh-CN" altLang="en-US" dirty="0"/>
-              <a:t>减小带宽占用</a:t>
+              <a:t>十次取平均值</a:t>
             </a:r>
             <a:r>
               <a:rPr lang="en-US" altLang="zh-CN" dirty="0"/>
@@ -7813,7 +7718,20 @@
             </a:r>
             <a:r>
               <a:rPr lang="zh-CN" altLang="en-US" dirty="0"/>
-              <a:t>同时经过上面的测试</a:t>
+              <a:t>代码在这里</a:t>
+            </a:r>
+            <a:r>
+              <a:rPr lang="zh-CN" altLang="en-US" dirty="0">
+                <a:hlinkClick r:id="rId2"/>
+              </a:rPr>
+              <a:t>链接</a:t>
+            </a:r>
+            <a:endParaRPr lang="en-US" altLang="zh-CN" dirty="0"/>
+          </a:p>
+          <a:p>
+            <a:r>
+              <a:rPr lang="zh-CN" altLang="en-US" dirty="0"/>
+              <a:t>可能由于数据量比较小等其他原因</a:t>
             </a:r>
             <a:r>
               <a:rPr lang="en-US" altLang="zh-CN" dirty="0"/>
@@ -7821,7 +7739,23 @@
             </a:r>
             <a:r>
               <a:rPr lang="zh-CN" altLang="en-US" dirty="0"/>
-              <a:t>他也并不算耗时</a:t>
+              <a:t>我发现</a:t>
+            </a:r>
+            <a:r>
+              <a:rPr lang="en" altLang="zh-CN" dirty="0" err="1"/>
+              <a:t>pb</a:t>
+            </a:r>
+            <a:r>
+              <a:rPr lang="zh-CN" altLang="en-US" dirty="0"/>
+              <a:t>和</a:t>
+            </a:r>
+            <a:r>
+              <a:rPr lang="en" altLang="zh-CN" dirty="0" err="1"/>
+              <a:t>json</a:t>
+            </a:r>
+            <a:r>
+              <a:rPr lang="zh-CN" altLang="en-US" dirty="0"/>
+              <a:t>的编解码速度拉不开差距</a:t>
             </a:r>
             <a:r>
               <a:rPr lang="en-US" altLang="zh-CN" dirty="0"/>
@@ -7829,36 +7763,37 @@
             </a:r>
             <a:r>
               <a:rPr lang="zh-CN" altLang="en-US" dirty="0"/>
-              <a:t>例如即时通讯</a:t>
+              <a:t>有时甚至</a:t>
+            </a:r>
+            <a:r>
+              <a:rPr lang="en" altLang="zh-CN" dirty="0" err="1"/>
+              <a:t>pb</a:t>
+            </a:r>
+            <a:r>
+              <a:rPr lang="zh-CN" altLang="en-US" dirty="0"/>
+              <a:t>的速度要慢于</a:t>
+            </a:r>
+            <a:r>
+              <a:rPr lang="en" altLang="zh-CN" dirty="0" err="1"/>
+              <a:t>json</a:t>
+            </a:r>
+            <a:r>
+              <a:rPr lang="en" altLang="zh-CN" dirty="0"/>
+              <a:t>.</a:t>
+            </a:r>
+            <a:r>
+              <a:rPr lang="zh-CN" altLang="en-US" dirty="0"/>
+              <a:t>这里只是提供一些我的数据参考</a:t>
             </a:r>
             <a:r>
               <a:rPr lang="en-US" altLang="zh-CN" dirty="0"/>
-              <a:t>,</a:t>
-            </a:r>
-            <a:r>
-              <a:rPr lang="zh-CN" altLang="en-US" dirty="0"/>
-              <a:t>弹幕</a:t>
-            </a:r>
-            <a:r>
-              <a:rPr lang="en-US" altLang="zh-CN" dirty="0"/>
-              <a:t>(</a:t>
-            </a:r>
-            <a:r>
-              <a:rPr lang="zh-CN" altLang="en-US" dirty="0"/>
-              <a:t>业界用</a:t>
-            </a:r>
-            <a:r>
-              <a:rPr lang="en" altLang="zh-CN" dirty="0"/>
-              <a:t>XML</a:t>
-            </a:r>
-            <a:r>
-              <a:rPr lang="zh-CN" altLang="en-US" dirty="0"/>
-              <a:t>的比较多</a:t>
-            </a:r>
-            <a:r>
-              <a:rPr lang="en-US" altLang="zh-CN" dirty="0"/>
-              <a:t>).</a:t>
-            </a:r>
+              <a:t>.</a:t>
+            </a:r>
+          </a:p>
+          <a:p>
+            <a:pPr marL="0" indent="0">
+              <a:buNone/>
+            </a:pPr>
             <a:endParaRPr kumimoji="1" lang="zh-CN" altLang="en-US" cap="none" dirty="0"/>
           </a:p>
         </p:txBody>
@@ -7868,7 +7803,7 @@
           <p:cNvPr id="5" name="图片 4">
             <a:extLst>
               <a:ext uri="{FF2B5EF4-FFF2-40B4-BE49-F238E27FC236}">
-                <a16:creationId xmlns:a16="http://schemas.microsoft.com/office/drawing/2014/main" id="{231C6A8D-2BF8-034D-B1AD-803DB17FEA7E}"/>
+                <a16:creationId xmlns:a16="http://schemas.microsoft.com/office/drawing/2014/main" id="{FC3F7414-AFFE-BD41-B594-2F52BB8DF627}"/>
               </a:ext>
             </a:extLst>
           </p:cNvPr>
@@ -7878,15 +7813,15 @@
           <p:nvPr/>
         </p:nvPicPr>
         <p:blipFill>
-          <a:blip r:embed="rId2"/>
+          <a:blip r:embed="rId3"/>
           <a:stretch>
             <a:fillRect/>
           </a:stretch>
         </p:blipFill>
         <p:spPr>
           <a:xfrm>
-            <a:off x="2076450" y="2120900"/>
-            <a:ext cx="8039100" cy="2616200"/>
+            <a:off x="559377" y="2961986"/>
+            <a:ext cx="11239500" cy="1993900"/>
           </a:xfrm>
           <a:prstGeom prst="rect">
             <a:avLst/>
@@ -7896,7 +7831,7 @@
     </p:spTree>
     <p:extLst>
       <p:ext uri="{BB962C8B-B14F-4D97-AF65-F5344CB8AC3E}">
-        <p14:creationId xmlns:p14="http://schemas.microsoft.com/office/powerpoint/2010/main" val="2437196342"/>
+        <p14:creationId xmlns:p14="http://schemas.microsoft.com/office/powerpoint/2010/main" val="1965839772"/>
       </p:ext>
     </p:extLst>
   </p:cSld>
@@ -7925,6 +7860,39 @@
       </p:grpSpPr>
       <p:sp>
         <p:nvSpPr>
+          <p:cNvPr id="2" name="标题 1">
+            <a:extLst>
+              <a:ext uri="{FF2B5EF4-FFF2-40B4-BE49-F238E27FC236}">
+                <a16:creationId xmlns:a16="http://schemas.microsoft.com/office/drawing/2014/main" id="{C233DB12-912C-4A49-812A-5EAD957BEAD9}"/>
+              </a:ext>
+            </a:extLst>
+          </p:cNvPr>
+          <p:cNvSpPr>
+            <a:spLocks noGrp="1"/>
+          </p:cNvSpPr>
+          <p:nvPr>
+            <p:ph type="title"/>
+          </p:nvPr>
+        </p:nvSpPr>
+        <p:spPr>
+          <a:xfrm>
+            <a:off x="913775" y="618518"/>
+            <a:ext cx="10364451" cy="836210"/>
+          </a:xfrm>
+        </p:spPr>
+        <p:txBody>
+          <a:bodyPr/>
+          <a:lstStyle/>
+          <a:p>
+            <a:r>
+              <a:rPr kumimoji="1" lang="zh-CN" altLang="en-US" cap="none" dirty="0"/>
+              <a:t>序列化后的体积比较</a:t>
+            </a:r>
+          </a:p>
+        </p:txBody>
+      </p:sp>
+      <p:sp>
+        <p:nvSpPr>
           <p:cNvPr id="3" name="内容占位符 2">
             <a:extLst>
               <a:ext uri="{FF2B5EF4-FFF2-40B4-BE49-F238E27FC236}">
@@ -7941,6 +7909,209 @@
         </p:nvSpPr>
         <p:spPr>
           <a:xfrm>
+            <a:off x="913774" y="1298864"/>
+            <a:ext cx="10363826" cy="4862945"/>
+          </a:xfrm>
+        </p:spPr>
+        <p:txBody>
+          <a:bodyPr>
+            <a:normAutofit/>
+          </a:bodyPr>
+          <a:lstStyle/>
+          <a:p>
+            <a:r>
+              <a:rPr kumimoji="1" lang="zh-CN" altLang="en-US" cap="none" dirty="0"/>
+              <a:t>这轮测试</a:t>
+            </a:r>
+            <a:r>
+              <a:rPr kumimoji="1" lang="en-US" altLang="zh-CN" cap="none" dirty="0" err="1"/>
+              <a:t>pb</a:t>
+            </a:r>
+            <a:r>
+              <a:rPr kumimoji="1" lang="zh-CN" altLang="en-US" cap="none" dirty="0"/>
+              <a:t>是占据绝对优势的</a:t>
+            </a:r>
+            <a:endParaRPr kumimoji="1" lang="en-US" altLang="zh-CN" cap="none" dirty="0"/>
+          </a:p>
+          <a:p>
+            <a:endParaRPr kumimoji="1" lang="en-US" altLang="zh-CN" cap="none" dirty="0"/>
+          </a:p>
+          <a:p>
+            <a:endParaRPr kumimoji="1" lang="en-US" altLang="zh-CN" cap="none" dirty="0"/>
+          </a:p>
+          <a:p>
+            <a:endParaRPr kumimoji="1" lang="en-US" altLang="zh-CN" cap="none" dirty="0"/>
+          </a:p>
+          <a:p>
+            <a:endParaRPr kumimoji="1" lang="en-US" altLang="zh-CN" cap="none" dirty="0"/>
+          </a:p>
+          <a:p>
+            <a:endParaRPr kumimoji="1" lang="en-US" altLang="zh-CN" cap="none" dirty="0"/>
+          </a:p>
+          <a:p>
+            <a:endParaRPr kumimoji="1" lang="en-US" altLang="zh-CN" cap="none" dirty="0"/>
+          </a:p>
+          <a:p>
+            <a:r>
+              <a:rPr kumimoji="1" lang="zh-CN" altLang="en-US" cap="none" dirty="0"/>
+              <a:t>个人建议</a:t>
+            </a:r>
+            <a:endParaRPr kumimoji="1" lang="en-US" altLang="zh-CN" cap="none" dirty="0"/>
+          </a:p>
+          <a:p>
+            <a:pPr marL="0" indent="0">
+              <a:buNone/>
+            </a:pPr>
+            <a:r>
+              <a:rPr kumimoji="1" lang="en-US" altLang="zh-CN" cap="none" dirty="0"/>
+              <a:t>	</a:t>
+            </a:r>
+            <a:r>
+              <a:rPr lang="zh-CN" altLang="en-US" dirty="0"/>
+              <a:t>可以用在一些数据量传输非常大的场景下</a:t>
+            </a:r>
+            <a:r>
+              <a:rPr lang="en-US" altLang="zh-CN" dirty="0"/>
+              <a:t>,</a:t>
+            </a:r>
+            <a:r>
+              <a:rPr lang="zh-CN" altLang="en-US" dirty="0"/>
+              <a:t>减小带宽占用</a:t>
+            </a:r>
+            <a:r>
+              <a:rPr lang="en-US" altLang="zh-CN" dirty="0"/>
+              <a:t>,</a:t>
+            </a:r>
+            <a:r>
+              <a:rPr lang="zh-CN" altLang="en-US" dirty="0"/>
+              <a:t>同时经过上面的测试</a:t>
+            </a:r>
+            <a:r>
+              <a:rPr lang="en-US" altLang="zh-CN" dirty="0"/>
+              <a:t>,</a:t>
+            </a:r>
+            <a:r>
+              <a:rPr lang="zh-CN" altLang="en-US" dirty="0"/>
+              <a:t>他也并不算耗时</a:t>
+            </a:r>
+            <a:r>
+              <a:rPr lang="en-US" altLang="zh-CN" dirty="0"/>
+              <a:t>.</a:t>
+            </a:r>
+            <a:r>
+              <a:rPr lang="zh-CN" altLang="en-US" dirty="0"/>
+              <a:t>例如即时通讯</a:t>
+            </a:r>
+            <a:r>
+              <a:rPr lang="en-US" altLang="zh-CN" dirty="0"/>
+              <a:t>,</a:t>
+            </a:r>
+            <a:r>
+              <a:rPr lang="zh-CN" altLang="en-US" dirty="0"/>
+              <a:t>弹幕</a:t>
+            </a:r>
+            <a:r>
+              <a:rPr lang="en-US" altLang="zh-CN" dirty="0"/>
+              <a:t>(</a:t>
+            </a:r>
+            <a:r>
+              <a:rPr lang="zh-CN" altLang="en-US" dirty="0"/>
+              <a:t>业界用</a:t>
+            </a:r>
+            <a:r>
+              <a:rPr lang="en" altLang="zh-CN" dirty="0"/>
+              <a:t>XML</a:t>
+            </a:r>
+            <a:r>
+              <a:rPr lang="zh-CN" altLang="en-US" dirty="0"/>
+              <a:t>的比较多</a:t>
+            </a:r>
+            <a:r>
+              <a:rPr lang="en-US" altLang="zh-CN" dirty="0"/>
+              <a:t>).</a:t>
+            </a:r>
+            <a:endParaRPr kumimoji="1" lang="zh-CN" altLang="en-US" cap="none" dirty="0"/>
+          </a:p>
+        </p:txBody>
+      </p:sp>
+      <p:pic>
+        <p:nvPicPr>
+          <p:cNvPr id="5" name="图片 4">
+            <a:extLst>
+              <a:ext uri="{FF2B5EF4-FFF2-40B4-BE49-F238E27FC236}">
+                <a16:creationId xmlns:a16="http://schemas.microsoft.com/office/drawing/2014/main" id="{231C6A8D-2BF8-034D-B1AD-803DB17FEA7E}"/>
+              </a:ext>
+            </a:extLst>
+          </p:cNvPr>
+          <p:cNvPicPr>
+            <a:picLocks noChangeAspect="1"/>
+          </p:cNvPicPr>
+          <p:nvPr/>
+        </p:nvPicPr>
+        <p:blipFill>
+          <a:blip r:embed="rId2"/>
+          <a:stretch>
+            <a:fillRect/>
+          </a:stretch>
+        </p:blipFill>
+        <p:spPr>
+          <a:xfrm>
+            <a:off x="2076450" y="2120900"/>
+            <a:ext cx="8039100" cy="2616200"/>
+          </a:xfrm>
+          <a:prstGeom prst="rect">
+            <a:avLst/>
+          </a:prstGeom>
+        </p:spPr>
+      </p:pic>
+    </p:spTree>
+    <p:extLst>
+      <p:ext uri="{BB962C8B-B14F-4D97-AF65-F5344CB8AC3E}">
+        <p14:creationId xmlns:p14="http://schemas.microsoft.com/office/powerpoint/2010/main" val="2437196342"/>
+      </p:ext>
+    </p:extLst>
+  </p:cSld>
+  <p:clrMapOvr>
+    <a:masterClrMapping/>
+  </p:clrMapOvr>
+</p:sld>
+</file>
+
+<file path=ppt/slides/slide22.xml><?xml version="1.0" encoding="utf-8"?>
+<p:sld xmlns:a="http://schemas.openxmlformats.org/drawingml/2006/main" xmlns:r="http://schemas.openxmlformats.org/officeDocument/2006/relationships" xmlns:p="http://schemas.openxmlformats.org/presentationml/2006/main">
+  <p:cSld>
+    <p:spTree>
+      <p:nvGrpSpPr>
+        <p:cNvPr id="1" name=""/>
+        <p:cNvGrpSpPr/>
+        <p:nvPr/>
+      </p:nvGrpSpPr>
+      <p:grpSpPr>
+        <a:xfrm>
+          <a:off x="0" y="0"/>
+          <a:ext cx="0" cy="0"/>
+          <a:chOff x="0" y="0"/>
+          <a:chExt cx="0" cy="0"/>
+        </a:xfrm>
+      </p:grpSpPr>
+      <p:sp>
+        <p:nvSpPr>
+          <p:cNvPr id="3" name="内容占位符 2">
+            <a:extLst>
+              <a:ext uri="{FF2B5EF4-FFF2-40B4-BE49-F238E27FC236}">
+                <a16:creationId xmlns:a16="http://schemas.microsoft.com/office/drawing/2014/main" id="{C218F431-DE33-E94E-ADF7-D5A76AF5DE63}"/>
+              </a:ext>
+            </a:extLst>
+          </p:cNvPr>
+          <p:cNvSpPr>
+            <a:spLocks noGrp="1"/>
+          </p:cNvSpPr>
+          <p:nvPr>
+            <p:ph sz="quarter" idx="13"/>
+          </p:nvPr>
+        </p:nvSpPr>
+        <p:spPr>
+          <a:xfrm>
             <a:off x="913774" y="405246"/>
             <a:ext cx="10363826" cy="5385954"/>
           </a:xfrm>
@@ -8102,7 +8273,7 @@
               <a:t>/apple/swift-protobuf/blob/master/Documentation/</a:t>
             </a:r>
             <a:r>
-              <a:rPr kumimoji="1" lang="en" altLang="zh-CN" cap="none"/>
+              <a:rPr kumimoji="1" lang="en" altLang="zh-CN" cap="none" dirty="0" err="1"/>
               <a:t>API.md</a:t>
             </a:r>
             <a:endParaRPr kumimoji="1" lang="en-US" altLang="zh-CN" cap="none" dirty="0"/>
@@ -8393,6 +8564,44 @@
           </a:xfrm>
         </p:spPr>
       </p:pic>
+      <p:sp>
+        <p:nvSpPr>
+          <p:cNvPr id="4" name="文本框 3">
+            <a:extLst>
+              <a:ext uri="{FF2B5EF4-FFF2-40B4-BE49-F238E27FC236}">
+                <a16:creationId xmlns:a16="http://schemas.microsoft.com/office/drawing/2014/main" id="{9E908E84-A9A5-3B43-95AD-87D2735D0A3F}"/>
+              </a:ext>
+            </a:extLst>
+          </p:cNvPr>
+          <p:cNvSpPr txBox="1"/>
+          <p:nvPr/>
+        </p:nvSpPr>
+        <p:spPr>
+          <a:xfrm>
+            <a:off x="731520" y="6357257"/>
+            <a:ext cx="6073201" cy="369332"/>
+          </a:xfrm>
+          <a:prstGeom prst="rect">
+            <a:avLst/>
+          </a:prstGeom>
+          <a:noFill/>
+        </p:spPr>
+        <p:txBody>
+          <a:bodyPr wrap="none" rtlCol="0">
+            <a:spAutoFit/>
+          </a:bodyPr>
+          <a:lstStyle/>
+          <a:p>
+            <a:r>
+              <a:rPr lang="en" altLang="zh-CN" dirty="0">
+                <a:hlinkClick r:id="rId3"/>
+              </a:rPr>
+              <a:t>https://developers.google.com/protocol-buffers/docs/encoding</a:t>
+            </a:r>
+            <a:endParaRPr kumimoji="1" lang="zh-CN" altLang="en-US" dirty="0"/>
+          </a:p>
+        </p:txBody>
+      </p:sp>
     </p:spTree>
     <p:extLst>
       <p:ext uri="{BB962C8B-B14F-4D97-AF65-F5344CB8AC3E}">
